--- a/Passwords.pptx
+++ b/Passwords.pptx
@@ -118,7 +118,7 @@
   </p:defaultTextStyle>
   <p:extLst>
     <p:ext uri="{EFAFB233-063F-42B5-8137-9DF3F51BA10A}">
-      <p15:sldGuideLst xmlns:p15="http://schemas.microsoft.com/office/powerpoint/2012/main" xmlns="">
+      <p15:sldGuideLst xmlns="" xmlns:p15="http://schemas.microsoft.com/office/powerpoint/2012/main">
         <p15:guide id="1" orient="horz" pos="1620">
           <p15:clr>
             <a:srgbClr val="A4A3A4"/>
@@ -4761,67 +4761,66 @@
           </a:bodyPr>
           <a:lstStyle/>
           <a:p>
-            <a:pPr algn="r" rtl="1">
+            <a:pPr>
               <a:lnSpc>
                 <a:spcPct val="150000"/>
               </a:lnSpc>
             </a:pPr>
             <a:r>
-              <a:rPr lang="he-IL" sz="2800" dirty="0" smtClean="0"/>
-              <a:t>משתמש ממוצע השתמש בכ-500 שירותים דורשי סיסמה</a:t>
-            </a:r>
-          </a:p>
-          <a:p>
-            <a:pPr algn="r" rtl="1">
+              <a:rPr lang="en-US" sz="2800" dirty="0" smtClean="0"/>
+              <a:t>A</a:t>
+            </a:r>
+            <a:r>
+              <a:rPr lang="en-US" sz="2800" dirty="0" smtClean="0"/>
+              <a:t>verage user uses about 500 password protected services</a:t>
+            </a:r>
+            <a:endParaRPr lang="he-IL" sz="2800" dirty="0" smtClean="0"/>
+          </a:p>
+          <a:p>
+            <a:pPr>
               <a:lnSpc>
                 <a:spcPct val="150000"/>
               </a:lnSpc>
             </a:pPr>
             <a:r>
-              <a:rPr lang="he-IL" sz="2800" dirty="0" smtClean="0"/>
-              <a:t>רק כ-10 סיסמאות הינן ייחודיות ברגע נתון</a:t>
-            </a:r>
-          </a:p>
-          <a:p>
-            <a:pPr algn="r" rtl="1">
+              <a:rPr lang="en-US" sz="2800" dirty="0" smtClean="0"/>
+              <a:t>About 10 of the passwords are unique</a:t>
+            </a:r>
+            <a:endParaRPr lang="he-IL" sz="2800" dirty="0" smtClean="0"/>
+          </a:p>
+          <a:p>
+            <a:pPr>
               <a:lnSpc>
                 <a:spcPct val="150000"/>
               </a:lnSpc>
             </a:pPr>
             <a:r>
-              <a:rPr lang="he-IL" sz="2800" dirty="0" smtClean="0"/>
-              <a:t>כ-70% </a:t>
-            </a:r>
-            <a:r>
-              <a:rPr lang="he-IL" sz="2800" dirty="0"/>
-              <a:t>מ</a:t>
-            </a:r>
-            <a:r>
-              <a:rPr lang="he-IL" sz="2800" dirty="0" smtClean="0"/>
-              <a:t>סיסמאות בנות 5 שנים ומעלה</a:t>
-            </a:r>
-          </a:p>
-          <a:p>
-            <a:pPr algn="r" rtl="1">
+              <a:rPr lang="en-US" sz="2800" dirty="0" smtClean="0"/>
+              <a:t>More then 70% are 5 years old</a:t>
+            </a:r>
+            <a:endParaRPr lang="he-IL" sz="2800" dirty="0" smtClean="0"/>
+          </a:p>
+          <a:p>
+            <a:pPr>
               <a:lnSpc>
                 <a:spcPct val="150000"/>
               </a:lnSpc>
             </a:pPr>
             <a:r>
-              <a:rPr lang="he-IL" sz="2800" dirty="0" smtClean="0"/>
-              <a:t>90% מסיסמאות ניתנות לפריצה תוך 6 שעות</a:t>
+              <a:rPr lang="en-US" sz="2800" dirty="0" smtClean="0"/>
+              <a:t>90% can be hacked in 6 hours</a:t>
             </a:r>
             <a:endParaRPr lang="he-IL" sz="2800" dirty="0"/>
           </a:p>
           <a:p>
-            <a:pPr algn="r" rtl="1">
+            <a:pPr>
               <a:lnSpc>
                 <a:spcPct val="150000"/>
               </a:lnSpc>
             </a:pPr>
             <a:r>
-              <a:rPr lang="he-IL" sz="2800" dirty="0" smtClean="0"/>
-              <a:t>גניבת סיסמאות היא הדרך הנפוצה ביותר לפריצה</a:t>
+              <a:rPr lang="en-US" sz="2800" dirty="0" smtClean="0"/>
+              <a:t>Passwords are the most popular way to steal identity</a:t>
             </a:r>
             <a:endParaRPr lang="en-US" sz="2800" dirty="0"/>
           </a:p>
@@ -4866,12 +4865,12 @@
           </a:lstStyle>
           <a:p>
             <a:r>
-              <a:rPr lang="he-IL" b="1" dirty="0" smtClean="0">
+              <a:rPr lang="en-US" b="1" dirty="0" smtClean="0">
                 <a:latin typeface="Tahoma" panose="020B0604030504040204" pitchFamily="34" charset="0"/>
                 <a:ea typeface="Tahoma" panose="020B0604030504040204" pitchFamily="34" charset="0"/>
                 <a:cs typeface="Tahoma" panose="020B0604030504040204" pitchFamily="34" charset="0"/>
               </a:rPr>
-              <a:t>קצת על סיסמאות</a:t>
+              <a:t>A bit about passwords</a:t>
             </a:r>
             <a:endParaRPr lang="en-US" b="1" dirty="0">
               <a:latin typeface="Tahoma" panose="020B0604030504040204" pitchFamily="34" charset="0"/>
@@ -4913,8 +4912,8 @@
         </p:blipFill>
         <p:spPr bwMode="auto">
           <a:xfrm>
-            <a:off x="-228600" y="1638300"/>
-            <a:ext cx="2962275" cy="2228850"/>
+            <a:off x="6334125" y="1696369"/>
+            <a:ext cx="2581275" cy="1942181"/>
           </a:xfrm>
           <a:prstGeom prst="rect">
             <a:avLst/>
@@ -5130,12 +5129,12 @@
           <a:lstStyle/>
           <a:p>
             <a:r>
-              <a:rPr lang="he-IL" dirty="0" smtClean="0">
+              <a:rPr lang="en-US" dirty="0" smtClean="0">
                 <a:latin typeface="Tahoma" panose="020B0604030504040204" pitchFamily="34" charset="0"/>
                 <a:ea typeface="Tahoma" panose="020B0604030504040204" pitchFamily="34" charset="0"/>
                 <a:cs typeface="Tahoma" panose="020B0604030504040204" pitchFamily="34" charset="0"/>
               </a:rPr>
-              <a:t>מאגר מידע</a:t>
+              <a:t>Dataset</a:t>
             </a:r>
             <a:endParaRPr lang="en-US" dirty="0">
               <a:latin typeface="Tahoma" panose="020B0604030504040204" pitchFamily="34" charset="0"/>
@@ -5162,34 +5161,42 @@
           </a:bodyPr>
           <a:lstStyle/>
           <a:p>
-            <a:pPr algn="r" rtl="1"/>
-            <a:r>
-              <a:rPr lang="he-IL" dirty="0" smtClean="0"/>
-              <a:t>2 מיליון סיסמאות מאתר </a:t>
-            </a:r>
+            <a:pPr algn="l"/>
             <a:r>
               <a:rPr lang="en-US" dirty="0" smtClean="0"/>
-              <a:t>DAZZLEPOD</a:t>
+              <a:t>2 million passwords from DAZZLEPOD</a:t>
             </a:r>
             <a:endParaRPr lang="he-IL" dirty="0" smtClean="0"/>
           </a:p>
           <a:p>
-            <a:pPr algn="r" rtl="1"/>
-            <a:r>
-              <a:rPr lang="he-IL" dirty="0" smtClean="0"/>
-              <a:t>אחד המקורות המרכזיים לכלי </a:t>
-            </a:r>
+            <a:pPr algn="l"/>
             <a:r>
               <a:rPr lang="en-US" dirty="0" smtClean="0"/>
-              <a:t>BRUTEFORCE</a:t>
+              <a:t>O</a:t>
+            </a:r>
+            <a:r>
+              <a:rPr lang="en-US" dirty="0" smtClean="0"/>
+              <a:t>ne of the most useful </a:t>
+            </a:r>
+            <a:r>
+              <a:rPr lang="en-US" dirty="0" err="1" smtClean="0"/>
+              <a:t>datasources</a:t>
+            </a:r>
+            <a:r>
+              <a:rPr lang="en-US" dirty="0" smtClean="0"/>
+              <a:t> for </a:t>
+            </a:r>
+            <a:r>
+              <a:rPr lang="en-US" dirty="0" err="1" smtClean="0"/>
+              <a:t>bruteforce</a:t>
             </a:r>
             <a:endParaRPr lang="he-IL" dirty="0" smtClean="0"/>
           </a:p>
           <a:p>
-            <a:pPr algn="r" rtl="1"/>
-            <a:r>
-              <a:rPr lang="he-IL" dirty="0" smtClean="0"/>
-              <a:t>כל הסיסמאות באנגלית</a:t>
+            <a:pPr algn="l"/>
+            <a:r>
+              <a:rPr lang="en-US" dirty="0" smtClean="0"/>
+              <a:t>All of the password are on English</a:t>
             </a:r>
             <a:endParaRPr lang="en-US" dirty="0"/>
           </a:p>
@@ -8340,7 +8347,7 @@
   <a:extraClrSchemeLst/>
   <a:extLst>
     <a:ext uri="{05A4C25C-085E-4340-85A3-A5531E510DB2}">
-      <thm15:themeFamily xmlns:thm15="http://schemas.microsoft.com/office/thememl/2012/main" xmlns="" name="Office Theme" id="{62F939B6-93AF-4DB8-9C6B-D6C7DFDC589F}" vid="{4A3C46E8-61CC-4603-A589-7422A47A8E4A}"/>
+      <thm15:themeFamily xmlns="" xmlns:thm15="http://schemas.microsoft.com/office/thememl/2012/main" name="Office Theme" id="{62F939B6-93AF-4DB8-9C6B-D6C7DFDC589F}" vid="{4A3C46E8-61CC-4603-A589-7422A47A8E4A}"/>
     </a:ext>
   </a:extLst>
 </a:theme>

--- a/Passwords.pptx
+++ b/Passwords.pptx
@@ -13,8 +13,8 @@
     <p:sldId id="258" r:id="rId4"/>
     <p:sldId id="260" r:id="rId5"/>
     <p:sldId id="270" r:id="rId6"/>
-    <p:sldId id="271" r:id="rId7"/>
-    <p:sldId id="261" r:id="rId8"/>
+    <p:sldId id="261" r:id="rId7"/>
+    <p:sldId id="273" r:id="rId8"/>
     <p:sldId id="267" r:id="rId9"/>
     <p:sldId id="266" r:id="rId10"/>
     <p:sldId id="272" r:id="rId11"/>
@@ -529,14 +529,7 @@
           <a:lstStyle/>
           <a:p>
             <a:pPr algn="r" rtl="1"/>
-            <a:r>
-              <a:rPr lang="he-IL" dirty="0" smtClean="0"/>
-              <a:t>נדהמנו</a:t>
-            </a:r>
-            <a:r>
-              <a:rPr lang="he-IL" baseline="0" dirty="0" smtClean="0"/>
-              <a:t> לגלות שאנשים משאירים את הסיסמאות שלהם שמורות במחשבי מעבדת 424, ולכן החלטנו לעשות את העבודה על ניתוח של מאגר סיסמאות</a:t>
-            </a:r>
+            <a:endParaRPr lang="he-IL" baseline="0" dirty="0" smtClean="0"/>
           </a:p>
         </p:txBody>
       </p:sp>
@@ -705,22 +698,6 @@
           <a:lstStyle/>
           <a:p>
             <a:pPr algn="r" rtl="1"/>
-            <a:r>
-              <a:rPr lang="he-IL" dirty="0" smtClean="0"/>
-              <a:t>חברת </a:t>
-            </a:r>
-            <a:r>
-              <a:rPr lang="en-US" dirty="0" smtClean="0"/>
-              <a:t>SPLASHDATA</a:t>
-            </a:r>
-            <a:r>
-              <a:rPr lang="en-US" baseline="0" dirty="0" smtClean="0"/>
-              <a:t> </a:t>
-            </a:r>
-            <a:r>
-              <a:rPr lang="he-IL" baseline="0" dirty="0" smtClean="0"/>
-              <a:t> בעלת מוצר לניהול סיסמאות מנהלת סטטיסטיקה שנתית של הסיסמאות הגרועות ביותר.</a:t>
-            </a:r>
             <a:endParaRPr lang="en-US" dirty="0"/>
           </a:p>
         </p:txBody>
@@ -806,25 +783,6 @@
           <a:lstStyle/>
           <a:p>
             <a:pPr algn="r" rtl="1"/>
-            <a:r>
-              <a:rPr lang="he-IL" dirty="0" smtClean="0"/>
-              <a:t>דגימה בלבד – המידע המלא היה בתשלום.</a:t>
-            </a:r>
-          </a:p>
-          <a:p>
-            <a:pPr algn="r" rtl="1"/>
-            <a:r>
-              <a:rPr lang="he-IL" dirty="0" smtClean="0"/>
-              <a:t>אחד המקורות הטובים ביותר ב-</a:t>
-            </a:r>
-            <a:r>
-              <a:rPr lang="en-US" dirty="0" smtClean="0"/>
-              <a:t>BRUTEFORCE</a:t>
-            </a:r>
-            <a:r>
-              <a:rPr lang="he-IL" dirty="0" smtClean="0"/>
-              <a:t>, לפחות בארגונים החוקיים</a:t>
-            </a:r>
             <a:endParaRPr lang="en-US" dirty="0"/>
           </a:p>
         </p:txBody>
@@ -1015,7 +973,7 @@
           <a:p>
             <a:fld id="{2A2E77DA-777C-486E-8558-2200DFDE2613}" type="slidenum">
               <a:rPr lang="en-US"/>
-              <a:t>7</a:t>
+              <a:t>6</a:t>
             </a:fld>
             <a:endParaRPr lang="en-US"/>
           </a:p>
@@ -4623,12 +4581,12 @@
           <a:lstStyle/>
           <a:p>
             <a:r>
-              <a:rPr lang="he-IL" sz="3200" dirty="0" smtClean="0">
+              <a:rPr lang="en-US" sz="3200" dirty="0" smtClean="0">
                 <a:latin typeface="Tahoma" panose="020B0604030504040204" pitchFamily="34" charset="0"/>
                 <a:ea typeface="Tahoma" panose="020B0604030504040204" pitchFamily="34" charset="0"/>
                 <a:cs typeface="Tahoma" panose="020B0604030504040204" pitchFamily="34" charset="0"/>
               </a:rPr>
-              <a:t>תחילת רצפים בולטים לאורך הסיסמה</a:t>
+              <a:t>Location of common sequences</a:t>
             </a:r>
             <a:endParaRPr lang="en-US" sz="3200" dirty="0">
               <a:latin typeface="Tahoma" panose="020B0604030504040204" pitchFamily="34" charset="0"/>
@@ -5347,7 +5305,7 @@
         </p:spPr>
         <p:txBody>
           <a:bodyPr>
-            <a:normAutofit/>
+            <a:normAutofit lnSpcReduction="10000"/>
           </a:bodyPr>
           <a:lstStyle/>
           <a:p>
@@ -5355,12 +5313,16 @@
               <a:buNone/>
             </a:pPr>
             <a:r>
-              <a:rPr lang="he-IL" dirty="0" smtClean="0"/>
-              <a:t>ארוך וחד </a:t>
-            </a:r>
-            <a:r>
-              <a:rPr lang="he-IL" dirty="0" err="1" smtClean="0"/>
-              <a:t>מימדי</a:t>
+              <a:rPr lang="en-US" dirty="0" smtClean="0"/>
+              <a:t>Big, one </a:t>
+            </a:r>
+            <a:r>
+              <a:rPr lang="en-US" dirty="0" err="1" smtClean="0"/>
+              <a:t>dimentional</a:t>
+            </a:r>
+            <a:r>
+              <a:rPr lang="en-US" dirty="0" smtClean="0"/>
+              <a:t> data</a:t>
             </a:r>
             <a:endParaRPr lang="he-IL" dirty="0" smtClean="0"/>
           </a:p>
@@ -5375,9 +5337,10 @@
               <a:buNone/>
             </a:pPr>
             <a:r>
-              <a:rPr lang="he-IL" dirty="0" smtClean="0"/>
-              <a:t>מלוכלך</a:t>
-            </a:r>
+              <a:rPr lang="en-US" dirty="0" smtClean="0"/>
+              <a:t>Dirty</a:t>
+            </a:r>
+            <a:endParaRPr lang="he-IL" dirty="0" smtClean="0"/>
           </a:p>
           <a:p>
             <a:pPr marL="0" indent="0" algn="ctr" rtl="1">
@@ -5390,9 +5353,10 @@
               <a:buNone/>
             </a:pPr>
             <a:r>
-              <a:rPr lang="he-IL" dirty="0" smtClean="0"/>
-              <a:t>נטול הקשר</a:t>
-            </a:r>
+              <a:rPr lang="en-US" dirty="0" smtClean="0"/>
+              <a:t>Out of Context</a:t>
+            </a:r>
+            <a:endParaRPr lang="he-IL" dirty="0" smtClean="0"/>
           </a:p>
           <a:p>
             <a:pPr marL="0" indent="0" algn="ctr" rtl="1">
@@ -5435,12 +5399,12 @@
           <a:lstStyle/>
           <a:p>
             <a:r>
-              <a:rPr lang="he-IL" dirty="0" smtClean="0">
+              <a:rPr lang="en-US" dirty="0" smtClean="0">
                 <a:latin typeface="Tahoma" panose="020B0604030504040204" pitchFamily="34" charset="0"/>
                 <a:ea typeface="Tahoma" panose="020B0604030504040204" pitchFamily="34" charset="0"/>
                 <a:cs typeface="Tahoma" panose="020B0604030504040204" pitchFamily="34" charset="0"/>
               </a:rPr>
-              <a:t>בעיות ותועלות</a:t>
+              <a:t>Problems and Opportunities</a:t>
             </a:r>
             <a:endParaRPr lang="en-US" dirty="0">
               <a:latin typeface="Tahoma" panose="020B0604030504040204" pitchFamily="34" charset="0"/>
@@ -5469,7 +5433,7 @@
         </p:spPr>
         <p:txBody>
           <a:bodyPr vert="horz" lIns="91440" tIns="45720" rIns="91440" bIns="45720" rtlCol="0">
-            <a:normAutofit lnSpcReduction="10000"/>
+            <a:normAutofit fontScale="92500" lnSpcReduction="10000"/>
           </a:bodyPr>
           <a:lstStyle>
             <a:lvl1pPr marL="342900" indent="-342900" algn="l" defTabSz="914400" rtl="0" eaLnBrk="1" latinLnBrk="0" hangingPunct="1">
@@ -5613,9 +5577,10 @@
               <a:buNone/>
             </a:pPr>
             <a:r>
-              <a:rPr lang="he-IL" dirty="0" smtClean="0"/>
-              <a:t>תוכן ותבניות</a:t>
-            </a:r>
+              <a:rPr lang="en-US" dirty="0" smtClean="0"/>
+              <a:t>Content and Patterns</a:t>
+            </a:r>
+            <a:endParaRPr lang="he-IL" dirty="0" smtClean="0"/>
           </a:p>
           <a:p>
             <a:pPr marL="0" indent="0" algn="ctr" rtl="1">
@@ -5628,9 +5593,10 @@
               <a:buNone/>
             </a:pPr>
             <a:r>
-              <a:rPr lang="he-IL" dirty="0" smtClean="0"/>
-              <a:t>מגוון</a:t>
-            </a:r>
+              <a:rPr lang="en-US" dirty="0" smtClean="0"/>
+              <a:t>Variety</a:t>
+            </a:r>
+            <a:endParaRPr lang="he-IL" dirty="0" smtClean="0"/>
           </a:p>
           <a:p>
             <a:pPr marL="0" indent="0" algn="ctr" rtl="1">
@@ -5643,9 +5609,10 @@
               <a:buNone/>
             </a:pPr>
             <a:r>
-              <a:rPr lang="he-IL" dirty="0"/>
-              <a:t>מידע רב אודות שכיחות יחסית</a:t>
-            </a:r>
+              <a:rPr lang="en-US" dirty="0" smtClean="0"/>
+              <a:t>Lots of data about frequencies</a:t>
+            </a:r>
+            <a:endParaRPr lang="he-IL" dirty="0"/>
           </a:p>
           <a:p>
             <a:pPr marL="0" indent="0" algn="ctr" rtl="1">
@@ -5718,809 +5685,6 @@
           <a:chExt cx="0" cy="0"/>
         </a:xfrm>
       </p:grpSpPr>
-      <p:pic>
-        <p:nvPicPr>
-          <p:cNvPr id="9218" name="Picture 2" descr="http://wpengine.com/unmasked/assets/images/headerimg.png"/>
-          <p:cNvPicPr>
-            <a:picLocks noChangeAspect="1" noChangeArrowheads="1"/>
-          </p:cNvPicPr>
-          <p:nvPr/>
-        </p:nvPicPr>
-        <p:blipFill>
-          <a:blip r:embed="rId2">
-            <a:extLst>
-              <a:ext uri="{28A0092B-C50C-407E-A947-70E740481C1C}">
-                <a14:useLocalDpi xmlns:a14="http://schemas.microsoft.com/office/drawing/2010/main" val="0"/>
-              </a:ext>
-            </a:extLst>
-          </a:blip>
-          <a:srcRect/>
-          <a:stretch>
-            <a:fillRect/>
-          </a:stretch>
-        </p:blipFill>
-        <p:spPr bwMode="auto">
-          <a:xfrm>
-            <a:off x="533400" y="131380"/>
-            <a:ext cx="8316273" cy="4878770"/>
-          </a:xfrm>
-          <a:prstGeom prst="rect">
-            <a:avLst/>
-          </a:prstGeom>
-          <a:noFill/>
-          <a:extLst>
-            <a:ext uri="{909E8E84-426E-40DD-AFC4-6F175D3DCCD1}">
-              <a14:hiddenFill xmlns:a14="http://schemas.microsoft.com/office/drawing/2010/main">
-                <a:solidFill>
-                  <a:srgbClr val="FFFFFF"/>
-                </a:solidFill>
-              </a14:hiddenFill>
-            </a:ext>
-          </a:extLst>
-        </p:spPr>
-      </p:pic>
-      <p:sp>
-        <p:nvSpPr>
-          <p:cNvPr id="2" name="Oval 1"/>
-          <p:cNvSpPr/>
-          <p:nvPr/>
-        </p:nvSpPr>
-        <p:spPr>
-          <a:xfrm>
-            <a:off x="6705600" y="57150"/>
-            <a:ext cx="1905000" cy="1983170"/>
-          </a:xfrm>
-          <a:prstGeom prst="ellipse">
-            <a:avLst/>
-          </a:prstGeom>
-          <a:noFill/>
-          <a:ln>
-            <a:solidFill>
-              <a:srgbClr val="FF0000"/>
-            </a:solidFill>
-          </a:ln>
-        </p:spPr>
-        <p:style>
-          <a:lnRef idx="2">
-            <a:schemeClr val="accent1">
-              <a:shade val="50000"/>
-            </a:schemeClr>
-          </a:lnRef>
-          <a:fillRef idx="1">
-            <a:schemeClr val="accent1"/>
-          </a:fillRef>
-          <a:effectRef idx="0">
-            <a:schemeClr val="accent1"/>
-          </a:effectRef>
-          <a:fontRef idx="minor">
-            <a:schemeClr val="lt1"/>
-          </a:fontRef>
-        </p:style>
-        <p:txBody>
-          <a:bodyPr rtlCol="0" anchor="ctr"/>
-          <a:lstStyle/>
-          <a:p>
-            <a:pPr algn="ctr"/>
-            <a:endParaRPr lang="en-US"/>
-          </a:p>
-        </p:txBody>
-      </p:sp>
-      <p:sp>
-        <p:nvSpPr>
-          <p:cNvPr id="5" name="Oval 4"/>
-          <p:cNvSpPr/>
-          <p:nvPr/>
-        </p:nvSpPr>
-        <p:spPr>
-          <a:xfrm>
-            <a:off x="2743200" y="3486150"/>
-            <a:ext cx="1600200" cy="1371600"/>
-          </a:xfrm>
-          <a:prstGeom prst="ellipse">
-            <a:avLst/>
-          </a:prstGeom>
-          <a:noFill/>
-          <a:ln>
-            <a:solidFill>
-              <a:srgbClr val="FF0000"/>
-            </a:solidFill>
-          </a:ln>
-        </p:spPr>
-        <p:style>
-          <a:lnRef idx="2">
-            <a:schemeClr val="accent1">
-              <a:shade val="50000"/>
-            </a:schemeClr>
-          </a:lnRef>
-          <a:fillRef idx="1">
-            <a:schemeClr val="accent1"/>
-          </a:fillRef>
-          <a:effectRef idx="0">
-            <a:schemeClr val="accent1"/>
-          </a:effectRef>
-          <a:fontRef idx="minor">
-            <a:schemeClr val="lt1"/>
-          </a:fontRef>
-        </p:style>
-        <p:txBody>
-          <a:bodyPr rtlCol="0" anchor="ctr"/>
-          <a:lstStyle/>
-          <a:p>
-            <a:pPr algn="ctr"/>
-            <a:endParaRPr lang="en-US"/>
-          </a:p>
-        </p:txBody>
-      </p:sp>
-      <p:cxnSp>
-        <p:nvCxnSpPr>
-          <p:cNvPr id="7" name="Straight Connector 6"/>
-          <p:cNvCxnSpPr/>
-          <p:nvPr/>
-        </p:nvCxnSpPr>
-        <p:spPr>
-          <a:xfrm>
-            <a:off x="2514600" y="1200150"/>
-            <a:ext cx="1143000" cy="533400"/>
-          </a:xfrm>
-          <a:prstGeom prst="line">
-            <a:avLst/>
-          </a:prstGeom>
-          <a:ln w="38100">
-            <a:solidFill>
-              <a:srgbClr val="FF0000"/>
-            </a:solidFill>
-          </a:ln>
-        </p:spPr>
-        <p:style>
-          <a:lnRef idx="1">
-            <a:schemeClr val="accent1"/>
-          </a:lnRef>
-          <a:fillRef idx="0">
-            <a:schemeClr val="accent1"/>
-          </a:fillRef>
-          <a:effectRef idx="0">
-            <a:schemeClr val="accent1"/>
-          </a:effectRef>
-          <a:fontRef idx="minor">
-            <a:schemeClr val="tx1"/>
-          </a:fontRef>
-        </p:style>
-      </p:cxnSp>
-      <p:cxnSp>
-        <p:nvCxnSpPr>
-          <p:cNvPr id="11" name="Straight Connector 10"/>
-          <p:cNvCxnSpPr/>
-          <p:nvPr/>
-        </p:nvCxnSpPr>
-        <p:spPr>
-          <a:xfrm flipV="1">
-            <a:off x="3981450" y="323850"/>
-            <a:ext cx="285750" cy="1181100"/>
-          </a:xfrm>
-          <a:prstGeom prst="line">
-            <a:avLst/>
-          </a:prstGeom>
-          <a:ln w="38100">
-            <a:solidFill>
-              <a:srgbClr val="FF0000"/>
-            </a:solidFill>
-          </a:ln>
-        </p:spPr>
-        <p:style>
-          <a:lnRef idx="1">
-            <a:schemeClr val="accent1"/>
-          </a:lnRef>
-          <a:fillRef idx="0">
-            <a:schemeClr val="accent1"/>
-          </a:fillRef>
-          <a:effectRef idx="0">
-            <a:schemeClr val="accent1"/>
-          </a:effectRef>
-          <a:fontRef idx="minor">
-            <a:schemeClr val="tx1"/>
-          </a:fontRef>
-        </p:style>
-      </p:cxnSp>
-      <p:cxnSp>
-        <p:nvCxnSpPr>
-          <p:cNvPr id="14" name="Straight Connector 13"/>
-          <p:cNvCxnSpPr/>
-          <p:nvPr/>
-        </p:nvCxnSpPr>
-        <p:spPr>
-          <a:xfrm flipV="1">
-            <a:off x="6324600" y="1389665"/>
-            <a:ext cx="381000" cy="650655"/>
-          </a:xfrm>
-          <a:prstGeom prst="line">
-            <a:avLst/>
-          </a:prstGeom>
-          <a:ln w="38100">
-            <a:solidFill>
-              <a:srgbClr val="FF0000"/>
-            </a:solidFill>
-          </a:ln>
-        </p:spPr>
-        <p:style>
-          <a:lnRef idx="1">
-            <a:schemeClr val="accent1"/>
-          </a:lnRef>
-          <a:fillRef idx="0">
-            <a:schemeClr val="accent1"/>
-          </a:fillRef>
-          <a:effectRef idx="0">
-            <a:schemeClr val="accent1"/>
-          </a:effectRef>
-          <a:fontRef idx="minor">
-            <a:schemeClr val="tx1"/>
-          </a:fontRef>
-        </p:style>
-      </p:cxnSp>
-      <p:sp>
-        <p:nvSpPr>
-          <p:cNvPr id="16" name="Oval 15"/>
-          <p:cNvSpPr/>
-          <p:nvPr/>
-        </p:nvSpPr>
-        <p:spPr>
-          <a:xfrm>
-            <a:off x="5119914" y="3459843"/>
-            <a:ext cx="1600200" cy="1371600"/>
-          </a:xfrm>
-          <a:prstGeom prst="ellipse">
-            <a:avLst/>
-          </a:prstGeom>
-          <a:noFill/>
-          <a:ln>
-            <a:solidFill>
-              <a:srgbClr val="FF0000"/>
-            </a:solidFill>
-          </a:ln>
-        </p:spPr>
-        <p:style>
-          <a:lnRef idx="2">
-            <a:schemeClr val="accent1">
-              <a:shade val="50000"/>
-            </a:schemeClr>
-          </a:lnRef>
-          <a:fillRef idx="1">
-            <a:schemeClr val="accent1"/>
-          </a:fillRef>
-          <a:effectRef idx="0">
-            <a:schemeClr val="accent1"/>
-          </a:effectRef>
-          <a:fontRef idx="minor">
-            <a:schemeClr val="lt1"/>
-          </a:fontRef>
-        </p:style>
-        <p:txBody>
-          <a:bodyPr rtlCol="0" anchor="ctr"/>
-          <a:lstStyle/>
-          <a:p>
-            <a:pPr algn="ctr"/>
-            <a:endParaRPr lang="en-US"/>
-          </a:p>
-        </p:txBody>
-      </p:sp>
-      <p:cxnSp>
-        <p:nvCxnSpPr>
-          <p:cNvPr id="17" name="Straight Connector 16"/>
-          <p:cNvCxnSpPr/>
-          <p:nvPr/>
-        </p:nvCxnSpPr>
-        <p:spPr>
-          <a:xfrm>
-            <a:off x="5509986" y="819150"/>
-            <a:ext cx="662214" cy="552450"/>
-          </a:xfrm>
-          <a:prstGeom prst="line">
-            <a:avLst/>
-          </a:prstGeom>
-          <a:ln w="38100">
-            <a:solidFill>
-              <a:srgbClr val="FF0000"/>
-            </a:solidFill>
-          </a:ln>
-        </p:spPr>
-        <p:style>
-          <a:lnRef idx="1">
-            <a:schemeClr val="accent1"/>
-          </a:lnRef>
-          <a:fillRef idx="0">
-            <a:schemeClr val="accent1"/>
-          </a:fillRef>
-          <a:effectRef idx="0">
-            <a:schemeClr val="accent1"/>
-          </a:effectRef>
-          <a:fontRef idx="minor">
-            <a:schemeClr val="tx1"/>
-          </a:fontRef>
-        </p:style>
-      </p:cxnSp>
-      <p:sp>
-        <p:nvSpPr>
-          <p:cNvPr id="21" name="Oval 20"/>
-          <p:cNvSpPr/>
-          <p:nvPr/>
-        </p:nvSpPr>
-        <p:spPr>
-          <a:xfrm>
-            <a:off x="7010400" y="2570765"/>
-            <a:ext cx="1219200" cy="2058386"/>
-          </a:xfrm>
-          <a:prstGeom prst="ellipse">
-            <a:avLst/>
-          </a:prstGeom>
-          <a:noFill/>
-          <a:ln>
-            <a:solidFill>
-              <a:srgbClr val="FF0000"/>
-            </a:solidFill>
-          </a:ln>
-        </p:spPr>
-        <p:style>
-          <a:lnRef idx="2">
-            <a:schemeClr val="accent1">
-              <a:shade val="50000"/>
-            </a:schemeClr>
-          </a:lnRef>
-          <a:fillRef idx="1">
-            <a:schemeClr val="accent1"/>
-          </a:fillRef>
-          <a:effectRef idx="0">
-            <a:schemeClr val="accent1"/>
-          </a:effectRef>
-          <a:fontRef idx="minor">
-            <a:schemeClr val="lt1"/>
-          </a:fontRef>
-        </p:style>
-        <p:txBody>
-          <a:bodyPr rtlCol="0" anchor="ctr"/>
-          <a:lstStyle/>
-          <a:p>
-            <a:pPr algn="ctr"/>
-            <a:endParaRPr lang="en-US"/>
-          </a:p>
-        </p:txBody>
-      </p:sp>
-    </p:spTree>
-    <p:extLst>
-      <p:ext uri="{BB962C8B-B14F-4D97-AF65-F5344CB8AC3E}">
-        <p14:creationId xmlns:p14="http://schemas.microsoft.com/office/powerpoint/2010/main" val="1459166539"/>
-      </p:ext>
-    </p:extLst>
-  </p:cSld>
-  <p:clrMapOvr>
-    <a:masterClrMapping/>
-  </p:clrMapOvr>
-  <mc:AlternateContent xmlns:mc="http://schemas.openxmlformats.org/markup-compatibility/2006" xmlns:p14="http://schemas.microsoft.com/office/powerpoint/2010/main">
-    <mc:Choice Requires="p14">
-      <p:transition spd="slow" p14:dur="2000" advClick="0" advTm="20000"/>
-    </mc:Choice>
-    <mc:Fallback xmlns="">
-      <p:transition spd="slow" advClick="0" advTm="20000"/>
-    </mc:Fallback>
-  </mc:AlternateContent>
-  <p:timing>
-    <p:tnLst>
-      <p:par>
-        <p:cTn id="1" dur="indefinite" restart="never" nodeType="tmRoot">
-          <p:childTnLst>
-            <p:seq concurrent="1" nextAc="seek">
-              <p:cTn id="2" dur="indefinite" nodeType="mainSeq">
-                <p:childTnLst>
-                  <p:par>
-                    <p:cTn id="3" fill="hold">
-                      <p:stCondLst>
-                        <p:cond delay="indefinite"/>
-                        <p:cond evt="onBegin" delay="0">
-                          <p:tn val="2"/>
-                        </p:cond>
-                      </p:stCondLst>
-                      <p:childTnLst>
-                        <p:par>
-                          <p:cTn id="4" fill="hold">
-                            <p:stCondLst>
-                              <p:cond delay="0"/>
-                            </p:stCondLst>
-                            <p:childTnLst>
-                              <p:par>
-                                <p:cTn id="5" presetID="22" presetClass="entr" presetSubtype="4" fill="hold" grpId="0" nodeType="afterEffect">
-                                  <p:stCondLst>
-                                    <p:cond delay="5000"/>
-                                  </p:stCondLst>
-                                  <p:childTnLst>
-                                    <p:set>
-                                      <p:cBhvr>
-                                        <p:cTn id="6" dur="1" fill="hold">
-                                          <p:stCondLst>
-                                            <p:cond delay="0"/>
-                                          </p:stCondLst>
-                                        </p:cTn>
-                                        <p:tgtEl>
-                                          <p:spTgt spid="2"/>
-                                        </p:tgtEl>
-                                        <p:attrNameLst>
-                                          <p:attrName>style.visibility</p:attrName>
-                                        </p:attrNameLst>
-                                      </p:cBhvr>
-                                      <p:to>
-                                        <p:strVal val="visible"/>
-                                      </p:to>
-                                    </p:set>
-                                    <p:animEffect transition="in" filter="wipe(down)">
-                                      <p:cBhvr>
-                                        <p:cTn id="7" dur="500"/>
-                                        <p:tgtEl>
-                                          <p:spTgt spid="2"/>
-                                        </p:tgtEl>
-                                      </p:cBhvr>
-                                    </p:animEffect>
-                                  </p:childTnLst>
-                                </p:cTn>
-                              </p:par>
-                            </p:childTnLst>
-                          </p:cTn>
-                        </p:par>
-                        <p:par>
-                          <p:cTn id="8" fill="hold">
-                            <p:stCondLst>
-                              <p:cond delay="5500"/>
-                            </p:stCondLst>
-                            <p:childTnLst>
-                              <p:par>
-                                <p:cTn id="9" presetID="22" presetClass="entr" presetSubtype="4" fill="hold" grpId="0" nodeType="afterEffect">
-                                  <p:stCondLst>
-                                    <p:cond delay="1000"/>
-                                  </p:stCondLst>
-                                  <p:childTnLst>
-                                    <p:set>
-                                      <p:cBhvr>
-                                        <p:cTn id="10" dur="1" fill="hold">
-                                          <p:stCondLst>
-                                            <p:cond delay="0"/>
-                                          </p:stCondLst>
-                                        </p:cTn>
-                                        <p:tgtEl>
-                                          <p:spTgt spid="5"/>
-                                        </p:tgtEl>
-                                        <p:attrNameLst>
-                                          <p:attrName>style.visibility</p:attrName>
-                                        </p:attrNameLst>
-                                      </p:cBhvr>
-                                      <p:to>
-                                        <p:strVal val="visible"/>
-                                      </p:to>
-                                    </p:set>
-                                    <p:animEffect transition="in" filter="wipe(down)">
-                                      <p:cBhvr>
-                                        <p:cTn id="11" dur="500"/>
-                                        <p:tgtEl>
-                                          <p:spTgt spid="5"/>
-                                        </p:tgtEl>
-                                      </p:cBhvr>
-                                    </p:animEffect>
-                                  </p:childTnLst>
-                                </p:cTn>
-                              </p:par>
-                            </p:childTnLst>
-                          </p:cTn>
-                        </p:par>
-                        <p:par>
-                          <p:cTn id="12" fill="hold">
-                            <p:stCondLst>
-                              <p:cond delay="7000"/>
-                            </p:stCondLst>
-                            <p:childTnLst>
-                              <p:par>
-                                <p:cTn id="13" presetID="22" presetClass="entr" presetSubtype="4" fill="hold" grpId="0" nodeType="afterEffect">
-                                  <p:stCondLst>
-                                    <p:cond delay="750"/>
-                                  </p:stCondLst>
-                                  <p:childTnLst>
-                                    <p:set>
-                                      <p:cBhvr>
-                                        <p:cTn id="14" dur="1" fill="hold">
-                                          <p:stCondLst>
-                                            <p:cond delay="0"/>
-                                          </p:stCondLst>
-                                        </p:cTn>
-                                        <p:tgtEl>
-                                          <p:spTgt spid="16"/>
-                                        </p:tgtEl>
-                                        <p:attrNameLst>
-                                          <p:attrName>style.visibility</p:attrName>
-                                        </p:attrNameLst>
-                                      </p:cBhvr>
-                                      <p:to>
-                                        <p:strVal val="visible"/>
-                                      </p:to>
-                                    </p:set>
-                                    <p:animEffect transition="in" filter="wipe(down)">
-                                      <p:cBhvr>
-                                        <p:cTn id="15" dur="500"/>
-                                        <p:tgtEl>
-                                          <p:spTgt spid="16"/>
-                                        </p:tgtEl>
-                                      </p:cBhvr>
-                                    </p:animEffect>
-                                  </p:childTnLst>
-                                </p:cTn>
-                              </p:par>
-                            </p:childTnLst>
-                          </p:cTn>
-                        </p:par>
-                        <p:par>
-                          <p:cTn id="16" fill="hold">
-                            <p:stCondLst>
-                              <p:cond delay="8250"/>
-                            </p:stCondLst>
-                            <p:childTnLst>
-                              <p:par>
-                                <p:cTn id="17" presetID="22" presetClass="entr" presetSubtype="4" fill="hold" grpId="0" nodeType="afterEffect">
-                                  <p:stCondLst>
-                                    <p:cond delay="1000"/>
-                                  </p:stCondLst>
-                                  <p:childTnLst>
-                                    <p:set>
-                                      <p:cBhvr>
-                                        <p:cTn id="18" dur="1" fill="hold">
-                                          <p:stCondLst>
-                                            <p:cond delay="0"/>
-                                          </p:stCondLst>
-                                        </p:cTn>
-                                        <p:tgtEl>
-                                          <p:spTgt spid="21"/>
-                                        </p:tgtEl>
-                                        <p:attrNameLst>
-                                          <p:attrName>style.visibility</p:attrName>
-                                        </p:attrNameLst>
-                                      </p:cBhvr>
-                                      <p:to>
-                                        <p:strVal val="visible"/>
-                                      </p:to>
-                                    </p:set>
-                                    <p:animEffect transition="in" filter="wipe(down)">
-                                      <p:cBhvr>
-                                        <p:cTn id="19" dur="500"/>
-                                        <p:tgtEl>
-                                          <p:spTgt spid="21"/>
-                                        </p:tgtEl>
-                                      </p:cBhvr>
-                                    </p:animEffect>
-                                  </p:childTnLst>
-                                </p:cTn>
-                              </p:par>
-                            </p:childTnLst>
-                          </p:cTn>
-                        </p:par>
-                        <p:par>
-                          <p:cTn id="20" fill="hold">
-                            <p:stCondLst>
-                              <p:cond delay="9750"/>
-                            </p:stCondLst>
-                            <p:childTnLst>
-                              <p:par>
-                                <p:cTn id="21" presetID="22" presetClass="entr" presetSubtype="4" fill="hold" nodeType="afterEffect">
-                                  <p:stCondLst>
-                                    <p:cond delay="1000"/>
-                                  </p:stCondLst>
-                                  <p:childTnLst>
-                                    <p:set>
-                                      <p:cBhvr>
-                                        <p:cTn id="22" dur="1" fill="hold">
-                                          <p:stCondLst>
-                                            <p:cond delay="0"/>
-                                          </p:stCondLst>
-                                        </p:cTn>
-                                        <p:tgtEl>
-                                          <p:spTgt spid="7"/>
-                                        </p:tgtEl>
-                                        <p:attrNameLst>
-                                          <p:attrName>style.visibility</p:attrName>
-                                        </p:attrNameLst>
-                                      </p:cBhvr>
-                                      <p:to>
-                                        <p:strVal val="visible"/>
-                                      </p:to>
-                                    </p:set>
-                                    <p:animEffect transition="in" filter="wipe(down)">
-                                      <p:cBhvr>
-                                        <p:cTn id="23" dur="500"/>
-                                        <p:tgtEl>
-                                          <p:spTgt spid="7"/>
-                                        </p:tgtEl>
-                                      </p:cBhvr>
-                                    </p:animEffect>
-                                  </p:childTnLst>
-                                </p:cTn>
-                              </p:par>
-                            </p:childTnLst>
-                          </p:cTn>
-                        </p:par>
-                        <p:par>
-                          <p:cTn id="24" fill="hold">
-                            <p:stCondLst>
-                              <p:cond delay="11250"/>
-                            </p:stCondLst>
-                            <p:childTnLst>
-                              <p:par>
-                                <p:cTn id="25" presetID="22" presetClass="entr" presetSubtype="4" fill="hold" nodeType="afterEffect">
-                                  <p:stCondLst>
-                                    <p:cond delay="1000"/>
-                                  </p:stCondLst>
-                                  <p:childTnLst>
-                                    <p:set>
-                                      <p:cBhvr>
-                                        <p:cTn id="26" dur="1" fill="hold">
-                                          <p:stCondLst>
-                                            <p:cond delay="0"/>
-                                          </p:stCondLst>
-                                        </p:cTn>
-                                        <p:tgtEl>
-                                          <p:spTgt spid="11"/>
-                                        </p:tgtEl>
-                                        <p:attrNameLst>
-                                          <p:attrName>style.visibility</p:attrName>
-                                        </p:attrNameLst>
-                                      </p:cBhvr>
-                                      <p:to>
-                                        <p:strVal val="visible"/>
-                                      </p:to>
-                                    </p:set>
-                                    <p:animEffect transition="in" filter="wipe(down)">
-                                      <p:cBhvr>
-                                        <p:cTn id="27" dur="500"/>
-                                        <p:tgtEl>
-                                          <p:spTgt spid="11"/>
-                                        </p:tgtEl>
-                                      </p:cBhvr>
-                                    </p:animEffect>
-                                  </p:childTnLst>
-                                </p:cTn>
-                              </p:par>
-                            </p:childTnLst>
-                          </p:cTn>
-                        </p:par>
-                        <p:par>
-                          <p:cTn id="28" fill="hold">
-                            <p:stCondLst>
-                              <p:cond delay="12750"/>
-                            </p:stCondLst>
-                            <p:childTnLst>
-                              <p:par>
-                                <p:cTn id="29" presetID="22" presetClass="entr" presetSubtype="4" fill="hold" nodeType="afterEffect">
-                                  <p:stCondLst>
-                                    <p:cond delay="1000"/>
-                                  </p:stCondLst>
-                                  <p:childTnLst>
-                                    <p:set>
-                                      <p:cBhvr>
-                                        <p:cTn id="30" dur="1" fill="hold">
-                                          <p:stCondLst>
-                                            <p:cond delay="0"/>
-                                          </p:stCondLst>
-                                        </p:cTn>
-                                        <p:tgtEl>
-                                          <p:spTgt spid="14"/>
-                                        </p:tgtEl>
-                                        <p:attrNameLst>
-                                          <p:attrName>style.visibility</p:attrName>
-                                        </p:attrNameLst>
-                                      </p:cBhvr>
-                                      <p:to>
-                                        <p:strVal val="visible"/>
-                                      </p:to>
-                                    </p:set>
-                                    <p:animEffect transition="in" filter="wipe(down)">
-                                      <p:cBhvr>
-                                        <p:cTn id="31" dur="500"/>
-                                        <p:tgtEl>
-                                          <p:spTgt spid="14"/>
-                                        </p:tgtEl>
-                                      </p:cBhvr>
-                                    </p:animEffect>
-                                  </p:childTnLst>
-                                </p:cTn>
-                              </p:par>
-                            </p:childTnLst>
-                          </p:cTn>
-                        </p:par>
-                        <p:par>
-                          <p:cTn id="32" fill="hold">
-                            <p:stCondLst>
-                              <p:cond delay="14250"/>
-                            </p:stCondLst>
-                            <p:childTnLst>
-                              <p:par>
-                                <p:cTn id="33" presetID="22" presetClass="entr" presetSubtype="4" fill="hold" nodeType="afterEffect">
-                                  <p:stCondLst>
-                                    <p:cond delay="1000"/>
-                                  </p:stCondLst>
-                                  <p:childTnLst>
-                                    <p:set>
-                                      <p:cBhvr>
-                                        <p:cTn id="34" dur="1" fill="hold">
-                                          <p:stCondLst>
-                                            <p:cond delay="0"/>
-                                          </p:stCondLst>
-                                        </p:cTn>
-                                        <p:tgtEl>
-                                          <p:spTgt spid="17"/>
-                                        </p:tgtEl>
-                                        <p:attrNameLst>
-                                          <p:attrName>style.visibility</p:attrName>
-                                        </p:attrNameLst>
-                                      </p:cBhvr>
-                                      <p:to>
-                                        <p:strVal val="visible"/>
-                                      </p:to>
-                                    </p:set>
-                                    <p:animEffect transition="in" filter="wipe(down)">
-                                      <p:cBhvr>
-                                        <p:cTn id="35" dur="500"/>
-                                        <p:tgtEl>
-                                          <p:spTgt spid="17"/>
-                                        </p:tgtEl>
-                                      </p:cBhvr>
-                                    </p:animEffect>
-                                  </p:childTnLst>
-                                </p:cTn>
-                              </p:par>
-                            </p:childTnLst>
-                          </p:cTn>
-                        </p:par>
-                      </p:childTnLst>
-                    </p:cTn>
-                  </p:par>
-                </p:childTnLst>
-              </p:cTn>
-              <p:prevCondLst>
-                <p:cond evt="onPrev" delay="0">
-                  <p:tgtEl>
-                    <p:sldTgt/>
-                  </p:tgtEl>
-                </p:cond>
-              </p:prevCondLst>
-              <p:nextCondLst>
-                <p:cond evt="onNext" delay="0">
-                  <p:tgtEl>
-                    <p:sldTgt/>
-                  </p:tgtEl>
-                </p:cond>
-              </p:nextCondLst>
-            </p:seq>
-          </p:childTnLst>
-        </p:cTn>
-      </p:par>
-    </p:tnLst>
-    <p:bldLst>
-      <p:bldP spid="2" grpId="0" animBg="1"/>
-      <p:bldP spid="5" grpId="0" animBg="1"/>
-      <p:bldP spid="16" grpId="0" animBg="1"/>
-      <p:bldP spid="21" grpId="0" animBg="1"/>
-    </p:bldLst>
-  </p:timing>
-</p:sld>
-</file>
-
-<file path=ppt/slides/slide7.xml><?xml version="1.0" encoding="utf-8"?>
-<p:sld xmlns:a="http://schemas.openxmlformats.org/drawingml/2006/main" xmlns:r="http://schemas.openxmlformats.org/officeDocument/2006/relationships" xmlns:p="http://schemas.openxmlformats.org/presentationml/2006/main">
-  <p:cSld>
-    <p:spTree>
-      <p:nvGrpSpPr>
-        <p:cNvPr id="1" name=""/>
-        <p:cNvGrpSpPr/>
-        <p:nvPr/>
-      </p:nvGrpSpPr>
-      <p:grpSpPr>
-        <a:xfrm>
-          <a:off x="0" y="0"/>
-          <a:ext cx="0" cy="0"/>
-          <a:chOff x="0" y="0"/>
-          <a:chExt cx="0" cy="0"/>
-        </a:xfrm>
-      </p:grpSpPr>
       <p:sp>
         <p:nvSpPr>
           <p:cNvPr id="2" name="Title 1"/>
@@ -6537,12 +5701,12 @@
           <a:lstStyle/>
           <a:p>
             <a:r>
-              <a:rPr lang="he-IL" dirty="0" smtClean="0">
+              <a:rPr lang="en-US" dirty="0" smtClean="0">
                 <a:latin typeface="Tahoma" panose="020B0604030504040204" pitchFamily="34" charset="0"/>
                 <a:ea typeface="Tahoma" panose="020B0604030504040204" pitchFamily="34" charset="0"/>
                 <a:cs typeface="Tahoma" panose="020B0604030504040204" pitchFamily="34" charset="0"/>
               </a:rPr>
-              <a:t>ניקיון מידע</a:t>
+              <a:t>Data Cleanup</a:t>
             </a:r>
             <a:endParaRPr lang="en-US" dirty="0">
               <a:latin typeface="Tahoma" panose="020B0604030504040204" pitchFamily="34" charset="0"/>
@@ -6567,32 +5731,34 @@
           <a:bodyPr/>
           <a:lstStyle/>
           <a:p>
-            <a:pPr algn="r" rtl="1"/>
+            <a:r>
+              <a:rPr lang="en-US" dirty="0" smtClean="0"/>
+              <a:t>Removing empty / </a:t>
+            </a:r>
+            <a:r>
+              <a:rPr lang="en-US" dirty="0" smtClean="0"/>
+              <a:t>broken </a:t>
+            </a:r>
+            <a:r>
+              <a:rPr lang="en-US" dirty="0" smtClean="0"/>
+              <a:t>strings</a:t>
+            </a:r>
+            <a:endParaRPr lang="he-IL" dirty="0" smtClean="0"/>
+          </a:p>
+          <a:p>
+            <a:r>
+              <a:rPr lang="en-US" dirty="0" smtClean="0"/>
+              <a:t>Special Characters cleanup</a:t>
+            </a:r>
+          </a:p>
+          <a:p>
+            <a:r>
+              <a:rPr lang="en-US" dirty="0" smtClean="0"/>
+              <a:t>Working only on typical pass length (4-12)</a:t>
+            </a:r>
             <a:r>
               <a:rPr lang="he-IL" dirty="0" smtClean="0"/>
-              <a:t>הוצאת שורות שבורות / מעורבבות</a:t>
-            </a:r>
-          </a:p>
-          <a:p>
-            <a:pPr algn="r" rtl="1"/>
-            <a:r>
-              <a:rPr lang="he-IL" dirty="0" smtClean="0"/>
-              <a:t>טיפול בתווים מיוחדים ( ' </a:t>
-            </a:r>
-            <a:r>
-              <a:rPr lang="en-US" dirty="0" smtClean="0"/>
-              <a:t>,</a:t>
-            </a:r>
-            <a:r>
-              <a:rPr lang="he-IL" dirty="0" smtClean="0"/>
-              <a:t> ; ...)</a:t>
-            </a:r>
-          </a:p>
-          <a:p>
-            <a:pPr algn="just" rtl="1"/>
-            <a:r>
-              <a:rPr lang="he-IL" dirty="0" smtClean="0"/>
-              <a:t>בחירה להתמקד בסיסמאות באורך 4-12 תווים </a:t>
+              <a:t> </a:t>
             </a:r>
             <a:endParaRPr lang="en-US" dirty="0"/>
           </a:p>
@@ -7069,6 +6235,215 @@
 </p:sld>
 </file>
 
+<file path=ppt/slides/slide7.xml><?xml version="1.0" encoding="utf-8"?>
+<p:sld xmlns:a="http://schemas.openxmlformats.org/drawingml/2006/main" xmlns:r="http://schemas.openxmlformats.org/officeDocument/2006/relationships" xmlns:p="http://schemas.openxmlformats.org/presentationml/2006/main">
+  <p:cSld>
+    <p:spTree>
+      <p:nvGrpSpPr>
+        <p:cNvPr id="1" name=""/>
+        <p:cNvGrpSpPr/>
+        <p:nvPr/>
+      </p:nvGrpSpPr>
+      <p:grpSpPr>
+        <a:xfrm>
+          <a:off x="0" y="0"/>
+          <a:ext cx="0" cy="0"/>
+          <a:chOff x="0" y="0"/>
+          <a:chExt cx="0" cy="0"/>
+        </a:xfrm>
+      </p:grpSpPr>
+      <p:sp>
+        <p:nvSpPr>
+          <p:cNvPr id="2" name="Title 1"/>
+          <p:cNvSpPr>
+            <a:spLocks noGrp="1"/>
+          </p:cNvSpPr>
+          <p:nvPr>
+            <p:ph type="title"/>
+          </p:nvPr>
+        </p:nvSpPr>
+        <p:spPr/>
+        <p:txBody>
+          <a:bodyPr/>
+          <a:lstStyle/>
+          <a:p>
+            <a:r>
+              <a:rPr lang="en-US" dirty="0" smtClean="0"/>
+              <a:t>Passwords </a:t>
+            </a:r>
+            <a:r>
+              <a:rPr lang="en-US" dirty="0" err="1" smtClean="0"/>
+              <a:t>heatmap</a:t>
+            </a:r>
+            <a:endParaRPr lang="en-US" dirty="0"/>
+          </a:p>
+        </p:txBody>
+      </p:sp>
+      <p:pic>
+        <p:nvPicPr>
+          <p:cNvPr id="4" name="תמונה 4"/>
+          <p:cNvPicPr/>
+          <p:nvPr/>
+        </p:nvPicPr>
+        <p:blipFill rotWithShape="1">
+          <a:blip r:embed="rId2" cstate="print"/>
+          <a:srcRect l="23456" t="47628" r="24477" b="11451"/>
+          <a:stretch/>
+        </p:blipFill>
+        <p:spPr bwMode="auto">
+          <a:xfrm>
+            <a:off x="1066800" y="1276350"/>
+            <a:ext cx="6665898" cy="3138162"/>
+          </a:xfrm>
+          <a:prstGeom prst="rect">
+            <a:avLst/>
+          </a:prstGeom>
+          <a:noFill/>
+          <a:ln w="9525">
+            <a:noFill/>
+            <a:miter lim="800000"/>
+            <a:headEnd/>
+            <a:tailEnd/>
+          </a:ln>
+        </p:spPr>
+      </p:pic>
+    </p:spTree>
+    <p:extLst>
+      <p:ext uri="{BB962C8B-B14F-4D97-AF65-F5344CB8AC3E}">
+        <p14:creationId xmlns:p14="http://schemas.microsoft.com/office/powerpoint/2010/main" val="1074308411"/>
+      </p:ext>
+    </p:extLst>
+  </p:cSld>
+  <p:clrMapOvr>
+    <a:masterClrMapping/>
+  </p:clrMapOvr>
+  <p:timing>
+    <p:tnLst>
+      <p:par>
+        <p:cTn id="1" dur="indefinite" restart="never" nodeType="tmRoot">
+          <p:childTnLst>
+            <p:seq concurrent="1" nextAc="seek">
+              <p:cTn id="2" dur="indefinite" nodeType="mainSeq">
+                <p:childTnLst>
+                  <p:par>
+                    <p:cTn id="3" fill="hold">
+                      <p:stCondLst>
+                        <p:cond delay="indefinite"/>
+                        <p:cond evt="onBegin" delay="0">
+                          <p:tn val="2"/>
+                        </p:cond>
+                      </p:stCondLst>
+                      <p:childTnLst>
+                        <p:par>
+                          <p:cTn id="4" fill="hold">
+                            <p:stCondLst>
+                              <p:cond delay="0"/>
+                            </p:stCondLst>
+                            <p:childTnLst>
+                              <p:par>
+                                <p:cTn id="5" presetID="2" presetClass="entr" presetSubtype="1" fill="hold" nodeType="withEffect">
+                                  <p:stCondLst>
+                                    <p:cond delay="10000"/>
+                                  </p:stCondLst>
+                                  <p:childTnLst>
+                                    <p:set>
+                                      <p:cBhvr>
+                                        <p:cTn id="6" dur="1" fill="hold">
+                                          <p:stCondLst>
+                                            <p:cond delay="0"/>
+                                          </p:stCondLst>
+                                        </p:cTn>
+                                        <p:tgtEl>
+                                          <p:spTgt spid="4"/>
+                                        </p:tgtEl>
+                                        <p:attrNameLst>
+                                          <p:attrName>style.visibility</p:attrName>
+                                        </p:attrNameLst>
+                                      </p:cBhvr>
+                                      <p:to>
+                                        <p:strVal val="visible"/>
+                                      </p:to>
+                                    </p:set>
+                                    <p:anim calcmode="lin" valueType="num">
+                                      <p:cBhvr additive="base">
+                                        <p:cTn id="7" dur="500" fill="hold"/>
+                                        <p:tgtEl>
+                                          <p:spTgt spid="4"/>
+                                        </p:tgtEl>
+                                        <p:attrNameLst>
+                                          <p:attrName>ppt_x</p:attrName>
+                                        </p:attrNameLst>
+                                      </p:cBhvr>
+                                      <p:tavLst>
+                                        <p:tav tm="0">
+                                          <p:val>
+                                            <p:strVal val="#ppt_x"/>
+                                          </p:val>
+                                        </p:tav>
+                                        <p:tav tm="100000">
+                                          <p:val>
+                                            <p:strVal val="#ppt_x"/>
+                                          </p:val>
+                                        </p:tav>
+                                      </p:tavLst>
+                                    </p:anim>
+                                    <p:anim calcmode="lin" valueType="num">
+                                      <p:cBhvr additive="base">
+                                        <p:cTn id="8" dur="500" fill="hold"/>
+                                        <p:tgtEl>
+                                          <p:spTgt spid="4"/>
+                                        </p:tgtEl>
+                                        <p:attrNameLst>
+                                          <p:attrName>ppt_y</p:attrName>
+                                        </p:attrNameLst>
+                                      </p:cBhvr>
+                                      <p:tavLst>
+                                        <p:tav tm="0">
+                                          <p:val>
+                                            <p:strVal val="0-#ppt_h/2"/>
+                                          </p:val>
+                                        </p:tav>
+                                        <p:tav tm="100000">
+                                          <p:val>
+                                            <p:strVal val="#ppt_y"/>
+                                          </p:val>
+                                        </p:tav>
+                                      </p:tavLst>
+                                    </p:anim>
+                                  </p:childTnLst>
+                                </p:cTn>
+                              </p:par>
+                            </p:childTnLst>
+                          </p:cTn>
+                        </p:par>
+                      </p:childTnLst>
+                    </p:cTn>
+                  </p:par>
+                </p:childTnLst>
+              </p:cTn>
+              <p:prevCondLst>
+                <p:cond evt="onPrev" delay="0">
+                  <p:tgtEl>
+                    <p:sldTgt/>
+                  </p:tgtEl>
+                </p:cond>
+              </p:prevCondLst>
+              <p:nextCondLst>
+                <p:cond evt="onNext" delay="0">
+                  <p:tgtEl>
+                    <p:sldTgt/>
+                  </p:tgtEl>
+                </p:cond>
+              </p:nextCondLst>
+            </p:seq>
+          </p:childTnLst>
+        </p:cTn>
+      </p:par>
+    </p:tnLst>
+  </p:timing>
+</p:sld>
+</file>
+
 <file path=ppt/slides/slide8.xml><?xml version="1.0" encoding="utf-8"?>
 <p:sld xmlns:a="http://schemas.openxmlformats.org/drawingml/2006/main" xmlns:r="http://schemas.openxmlformats.org/officeDocument/2006/relationships" xmlns:p="http://schemas.openxmlformats.org/presentationml/2006/main">
   <p:cSld>
@@ -7702,12 +7077,12 @@
           <a:lstStyle/>
           <a:p>
             <a:r>
-              <a:rPr lang="he-IL" dirty="0" smtClean="0">
+              <a:rPr lang="en-US" dirty="0" smtClean="0">
                 <a:latin typeface="Tahoma" panose="020B0604030504040204" pitchFamily="34" charset="0"/>
                 <a:ea typeface="Tahoma" panose="020B0604030504040204" pitchFamily="34" charset="0"/>
                 <a:cs typeface="Tahoma" panose="020B0604030504040204" pitchFamily="34" charset="0"/>
               </a:rPr>
-              <a:t>שכיחות תווים בסיסמאות</a:t>
+              <a:t>Chars / Location Density</a:t>
             </a:r>
             <a:endParaRPr lang="en-US" dirty="0">
               <a:latin typeface="Tahoma" panose="020B0604030504040204" pitchFamily="34" charset="0"/>

--- a/Passwords.pptx
+++ b/Passwords.pptx
@@ -4586,7 +4586,15 @@
                 <a:ea typeface="Tahoma" panose="020B0604030504040204" pitchFamily="34" charset="0"/>
                 <a:cs typeface="Tahoma" panose="020B0604030504040204" pitchFamily="34" charset="0"/>
               </a:rPr>
-              <a:t>Location of common sequences</a:t>
+              <a:t>Location of common </a:t>
+            </a:r>
+            <a:r>
+              <a:rPr lang="en-US" sz="3200" smtClean="0">
+                <a:latin typeface="Tahoma" panose="020B0604030504040204" pitchFamily="34" charset="0"/>
+                <a:ea typeface="Tahoma" panose="020B0604030504040204" pitchFamily="34" charset="0"/>
+                <a:cs typeface="Tahoma" panose="020B0604030504040204" pitchFamily="34" charset="0"/>
+              </a:rPr>
+              <a:t>suquences</a:t>
             </a:r>
             <a:endParaRPr lang="en-US" sz="3200" dirty="0">
               <a:latin typeface="Tahoma" panose="020B0604030504040204" pitchFamily="34" charset="0"/>

--- a/Passwords.pptx
+++ b/Passwords.pptx
@@ -118,7 +118,7 @@
   </p:defaultTextStyle>
   <p:extLst>
     <p:ext uri="{EFAFB233-063F-42B5-8137-9DF3F51BA10A}">
-      <p15:sldGuideLst xmlns="" xmlns:p15="http://schemas.microsoft.com/office/powerpoint/2012/main">
+      <p15:sldGuideLst xmlns:p15="http://schemas.microsoft.com/office/powerpoint/2012/main" xmlns="">
         <p15:guide id="1" orient="horz" pos="1620">
           <p15:clr>
             <a:srgbClr val="A4A3A4"/>
@@ -4589,12 +4589,12 @@
               <a:t>Location of common </a:t>
             </a:r>
             <a:r>
-              <a:rPr lang="en-US" sz="3200" smtClean="0">
+              <a:rPr lang="en-US" sz="3200" dirty="0" smtClean="0">
                 <a:latin typeface="Tahoma" panose="020B0604030504040204" pitchFamily="34" charset="0"/>
                 <a:ea typeface="Tahoma" panose="020B0604030504040204" pitchFamily="34" charset="0"/>
                 <a:cs typeface="Tahoma" panose="020B0604030504040204" pitchFamily="34" charset="0"/>
               </a:rPr>
-              <a:t>suquences</a:t>
+              <a:t>subsequences</a:t>
             </a:r>
             <a:endParaRPr lang="en-US" sz="3200" dirty="0">
               <a:latin typeface="Tahoma" panose="020B0604030504040204" pitchFamily="34" charset="0"/>
@@ -4734,11 +4734,7 @@
             </a:pPr>
             <a:r>
               <a:rPr lang="en-US" sz="2800" dirty="0" smtClean="0"/>
-              <a:t>A</a:t>
-            </a:r>
-            <a:r>
-              <a:rPr lang="en-US" sz="2800" dirty="0" smtClean="0"/>
-              <a:t>verage user uses about 500 password protected services</a:t>
+              <a:t>Average user uses about 500 password protected services</a:t>
             </a:r>
             <a:endParaRPr lang="he-IL" sz="2800" dirty="0" smtClean="0"/>
           </a:p>
@@ -5138,11 +5134,7 @@
             <a:pPr algn="l"/>
             <a:r>
               <a:rPr lang="en-US" dirty="0" smtClean="0"/>
-              <a:t>O</a:t>
-            </a:r>
-            <a:r>
-              <a:rPr lang="en-US" dirty="0" smtClean="0"/>
-              <a:t>ne of the most useful </a:t>
+              <a:t>One of the most useful </a:t>
             </a:r>
             <a:r>
               <a:rPr lang="en-US" dirty="0" err="1" smtClean="0"/>
@@ -5741,15 +5733,7 @@
           <a:p>
             <a:r>
               <a:rPr lang="en-US" dirty="0" smtClean="0"/>
-              <a:t>Removing empty / </a:t>
-            </a:r>
-            <a:r>
-              <a:rPr lang="en-US" dirty="0" smtClean="0"/>
-              <a:t>broken </a:t>
-            </a:r>
-            <a:r>
-              <a:rPr lang="en-US" dirty="0" smtClean="0"/>
-              <a:t>strings</a:t>
+              <a:t>Removing empty / broken strings</a:t>
             </a:r>
             <a:endParaRPr lang="he-IL" dirty="0" smtClean="0"/>
           </a:p>
@@ -7730,7 +7714,7 @@
   <a:extraClrSchemeLst/>
   <a:extLst>
     <a:ext uri="{05A4C25C-085E-4340-85A3-A5531E510DB2}">
-      <thm15:themeFamily xmlns="" xmlns:thm15="http://schemas.microsoft.com/office/thememl/2012/main" name="Office Theme" id="{62F939B6-93AF-4DB8-9C6B-D6C7DFDC589F}" vid="{4A3C46E8-61CC-4603-A589-7422A47A8E4A}"/>
+      <thm15:themeFamily xmlns:thm15="http://schemas.microsoft.com/office/thememl/2012/main" xmlns="" name="Office Theme" id="{62F939B6-93AF-4DB8-9C6B-D6C7DFDC589F}" vid="{4A3C46E8-61CC-4603-A589-7422A47A8E4A}"/>
     </a:ext>
   </a:extLst>
 </a:theme>
